--- a/docs/diagrams/PrevSequenceDiagram.pptx
+++ b/docs/diagrams/PrevSequenceDiagram.pptx
@@ -209,7 +209,7 @@
           <a:p>
             <a:fld id="{F5CC4B3F-88C1-4FFA-B1B6-F41C21DC6924}" type="datetimeFigureOut">
               <a:rPr lang="en-US" smtClean="0"/>
-              <a:t>11/1/2018</a:t>
+              <a:t>11/12/2018</a:t>
             </a:fld>
             <a:endParaRPr lang="en-US"/>
           </a:p>
@@ -655,7 +655,7 @@
           <a:p>
             <a:fld id="{78C97017-6FC3-485B-9764-EAC9E56C1D49}" type="datetimeFigureOut">
               <a:rPr lang="en-US" smtClean="0"/>
-              <a:t>11/1/2018</a:t>
+              <a:t>11/12/2018</a:t>
             </a:fld>
             <a:endParaRPr lang="en-US"/>
           </a:p>
@@ -823,7 +823,7 @@
           <a:p>
             <a:fld id="{78C97017-6FC3-485B-9764-EAC9E56C1D49}" type="datetimeFigureOut">
               <a:rPr lang="en-US" smtClean="0"/>
-              <a:t>11/1/2018</a:t>
+              <a:t>11/12/2018</a:t>
             </a:fld>
             <a:endParaRPr lang="en-US"/>
           </a:p>
@@ -1001,7 +1001,7 @@
           <a:p>
             <a:fld id="{78C97017-6FC3-485B-9764-EAC9E56C1D49}" type="datetimeFigureOut">
               <a:rPr lang="en-US" smtClean="0"/>
-              <a:t>11/1/2018</a:t>
+              <a:t>11/12/2018</a:t>
             </a:fld>
             <a:endParaRPr lang="en-US"/>
           </a:p>
@@ -1169,7 +1169,7 @@
           <a:p>
             <a:fld id="{78C97017-6FC3-485B-9764-EAC9E56C1D49}" type="datetimeFigureOut">
               <a:rPr lang="en-US" smtClean="0"/>
-              <a:t>11/1/2018</a:t>
+              <a:t>11/12/2018</a:t>
             </a:fld>
             <a:endParaRPr lang="en-US"/>
           </a:p>
@@ -1414,7 +1414,7 @@
           <a:p>
             <a:fld id="{78C97017-6FC3-485B-9764-EAC9E56C1D49}" type="datetimeFigureOut">
               <a:rPr lang="en-US" smtClean="0"/>
-              <a:t>11/1/2018</a:t>
+              <a:t>11/12/2018</a:t>
             </a:fld>
             <a:endParaRPr lang="en-US"/>
           </a:p>
@@ -1699,7 +1699,7 @@
           <a:p>
             <a:fld id="{78C97017-6FC3-485B-9764-EAC9E56C1D49}" type="datetimeFigureOut">
               <a:rPr lang="en-US" smtClean="0"/>
-              <a:t>11/1/2018</a:t>
+              <a:t>11/12/2018</a:t>
             </a:fld>
             <a:endParaRPr lang="en-US"/>
           </a:p>
@@ -2118,7 +2118,7 @@
           <a:p>
             <a:fld id="{78C97017-6FC3-485B-9764-EAC9E56C1D49}" type="datetimeFigureOut">
               <a:rPr lang="en-US" smtClean="0"/>
-              <a:t>11/1/2018</a:t>
+              <a:t>11/12/2018</a:t>
             </a:fld>
             <a:endParaRPr lang="en-US"/>
           </a:p>
@@ -2235,7 +2235,7 @@
           <a:p>
             <a:fld id="{78C97017-6FC3-485B-9764-EAC9E56C1D49}" type="datetimeFigureOut">
               <a:rPr lang="en-US" smtClean="0"/>
-              <a:t>11/1/2018</a:t>
+              <a:t>11/12/2018</a:t>
             </a:fld>
             <a:endParaRPr lang="en-US"/>
           </a:p>
@@ -2330,7 +2330,7 @@
           <a:p>
             <a:fld id="{78C97017-6FC3-485B-9764-EAC9E56C1D49}" type="datetimeFigureOut">
               <a:rPr lang="en-US" smtClean="0"/>
-              <a:t>11/1/2018</a:t>
+              <a:t>11/12/2018</a:t>
             </a:fld>
             <a:endParaRPr lang="en-US"/>
           </a:p>
@@ -2605,7 +2605,7 @@
           <a:p>
             <a:fld id="{78C97017-6FC3-485B-9764-EAC9E56C1D49}" type="datetimeFigureOut">
               <a:rPr lang="en-US" smtClean="0"/>
-              <a:t>11/1/2018</a:t>
+              <a:t>11/12/2018</a:t>
             </a:fld>
             <a:endParaRPr lang="en-US"/>
           </a:p>
@@ -2857,7 +2857,7 @@
           <a:p>
             <a:fld id="{78C97017-6FC3-485B-9764-EAC9E56C1D49}" type="datetimeFigureOut">
               <a:rPr lang="en-US" smtClean="0"/>
-              <a:t>11/1/2018</a:t>
+              <a:t>11/12/2018</a:t>
             </a:fld>
             <a:endParaRPr lang="en-US"/>
           </a:p>
@@ -3068,7 +3068,7 @@
           <a:p>
             <a:fld id="{78C97017-6FC3-485B-9764-EAC9E56C1D49}" type="datetimeFigureOut">
               <a:rPr lang="en-US" smtClean="0"/>
-              <a:t>11/1/2018</a:t>
+              <a:t>11/12/2018</a:t>
             </a:fld>
             <a:endParaRPr lang="en-US"/>
           </a:p>
@@ -3445,7 +3445,13 @@
       </p:grpSpPr>
       <p:sp>
         <p:nvSpPr>
-          <p:cNvPr id="56" name="Rectangle 65"/>
+          <p:cNvPr id="41" name="Rectangle 65">
+            <a:extLst>
+              <a:ext uri="{FF2B5EF4-FFF2-40B4-BE49-F238E27FC236}">
+                <a16:creationId xmlns:a16="http://schemas.microsoft.com/office/drawing/2014/main" id="{0C7365F4-529A-4221-BD03-626AAD56AA7D}"/>
+              </a:ext>
+            </a:extLst>
+          </p:cNvPr>
           <p:cNvSpPr/>
           <p:nvPr/>
         </p:nvSpPr>
@@ -3506,7 +3512,13 @@
       </p:sp>
       <p:sp>
         <p:nvSpPr>
-          <p:cNvPr id="81" name="Rectangle 65"/>
+          <p:cNvPr id="42" name="Rectangle 65">
+            <a:extLst>
+              <a:ext uri="{FF2B5EF4-FFF2-40B4-BE49-F238E27FC236}">
+                <a16:creationId xmlns:a16="http://schemas.microsoft.com/office/drawing/2014/main" id="{FC8C8CC5-B8E2-4C7B-98C0-A0EFBE7620F7}"/>
+              </a:ext>
+            </a:extLst>
+          </p:cNvPr>
           <p:cNvSpPr/>
           <p:nvPr/>
         </p:nvSpPr>
@@ -3567,7 +3579,13 @@
       </p:sp>
       <p:sp>
         <p:nvSpPr>
-          <p:cNvPr id="2" name="Rectangle 62"/>
+          <p:cNvPr id="43" name="Rectangle 62">
+            <a:extLst>
+              <a:ext uri="{FF2B5EF4-FFF2-40B4-BE49-F238E27FC236}">
+                <a16:creationId xmlns:a16="http://schemas.microsoft.com/office/drawing/2014/main" id="{64919C0D-4DF5-4BA0-BBCA-155837115DBB}"/>
+              </a:ext>
+            </a:extLst>
+          </p:cNvPr>
           <p:cNvSpPr/>
           <p:nvPr/>
         </p:nvSpPr>
@@ -3634,7 +3652,13 @@
       </p:sp>
       <p:cxnSp>
         <p:nvCxnSpPr>
-          <p:cNvPr id="5" name="Straight Connector 4"/>
+          <p:cNvPr id="44" name="Straight Connector 43">
+            <a:extLst>
+              <a:ext uri="{FF2B5EF4-FFF2-40B4-BE49-F238E27FC236}">
+                <a16:creationId xmlns:a16="http://schemas.microsoft.com/office/drawing/2014/main" id="{C6269182-46BE-4F8B-B9BD-029AD6365770}"/>
+              </a:ext>
+            </a:extLst>
+          </p:cNvPr>
           <p:cNvCxnSpPr>
             <a:cxnSpLocks/>
           </p:cNvCxnSpPr>
@@ -3673,14 +3697,20 @@
       </p:cxnSp>
       <p:sp>
         <p:nvSpPr>
-          <p:cNvPr id="6" name="Rectangle 5"/>
+          <p:cNvPr id="45" name="Rectangle 44">
+            <a:extLst>
+              <a:ext uri="{FF2B5EF4-FFF2-40B4-BE49-F238E27FC236}">
+                <a16:creationId xmlns:a16="http://schemas.microsoft.com/office/drawing/2014/main" id="{C2779026-8EEE-4CA1-8430-79AC268AE677}"/>
+              </a:ext>
+            </a:extLst>
+          </p:cNvPr>
           <p:cNvSpPr/>
           <p:nvPr/>
         </p:nvSpPr>
         <p:spPr>
           <a:xfrm>
-            <a:off x="1536941" y="1258312"/>
-            <a:ext cx="154409" cy="3151094"/>
+            <a:off x="1536941" y="1258311"/>
+            <a:ext cx="147311" cy="3847079"/>
           </a:xfrm>
           <a:prstGeom prst="rect">
             <a:avLst/>
@@ -3720,7 +3750,13 @@
       </p:sp>
       <p:sp>
         <p:nvSpPr>
-          <p:cNvPr id="16" name="Rectangle 62"/>
+          <p:cNvPr id="47" name="Rectangle 62">
+            <a:extLst>
+              <a:ext uri="{FF2B5EF4-FFF2-40B4-BE49-F238E27FC236}">
+                <a16:creationId xmlns:a16="http://schemas.microsoft.com/office/drawing/2014/main" id="{DF7C36D1-31C7-4DB5-9DAC-F7A488F02301}"/>
+              </a:ext>
+            </a:extLst>
+          </p:cNvPr>
           <p:cNvSpPr/>
           <p:nvPr/>
         </p:nvSpPr>
@@ -3787,7 +3823,13 @@
       </p:sp>
       <p:cxnSp>
         <p:nvCxnSpPr>
-          <p:cNvPr id="17" name="Straight Connector 16"/>
+          <p:cNvPr id="48" name="Straight Connector 47">
+            <a:extLst>
+              <a:ext uri="{FF2B5EF4-FFF2-40B4-BE49-F238E27FC236}">
+                <a16:creationId xmlns:a16="http://schemas.microsoft.com/office/drawing/2014/main" id="{D02A8DEC-7D88-485F-83F5-FD0E099BB908}"/>
+              </a:ext>
+            </a:extLst>
+          </p:cNvPr>
           <p:cNvCxnSpPr>
             <a:cxnSpLocks/>
           </p:cNvCxnSpPr>
@@ -3826,7 +3868,13 @@
       </p:cxnSp>
       <p:sp>
         <p:nvSpPr>
-          <p:cNvPr id="18" name="Rectangle 17"/>
+          <p:cNvPr id="49" name="Rectangle 48">
+            <a:extLst>
+              <a:ext uri="{FF2B5EF4-FFF2-40B4-BE49-F238E27FC236}">
+                <a16:creationId xmlns:a16="http://schemas.microsoft.com/office/drawing/2014/main" id="{1A77E4C0-1086-409D-AE53-FA95118F1FAD}"/>
+              </a:ext>
+            </a:extLst>
+          </p:cNvPr>
           <p:cNvSpPr/>
           <p:nvPr/>
         </p:nvSpPr>
@@ -3877,11 +3925,17 @@
       </p:sp>
       <p:cxnSp>
         <p:nvCxnSpPr>
-          <p:cNvPr id="20" name="Straight Connector 19"/>
+          <p:cNvPr id="50" name="Straight Connector 49">
+            <a:extLst>
+              <a:ext uri="{FF2B5EF4-FFF2-40B4-BE49-F238E27FC236}">
+                <a16:creationId xmlns:a16="http://schemas.microsoft.com/office/drawing/2014/main" id="{99464011-A9C9-4281-9A7A-65549215D65C}"/>
+              </a:ext>
+            </a:extLst>
+          </p:cNvPr>
           <p:cNvCxnSpPr>
             <a:cxnSpLocks/>
-            <a:stCxn id="21" idx="0"/>
-            <a:endCxn id="4" idx="0"/>
+            <a:stCxn id="51" idx="0"/>
+            <a:endCxn id="85" idx="0"/>
           </p:cNvCxnSpPr>
           <p:nvPr/>
         </p:nvCxnSpPr>
@@ -3918,7 +3972,13 @@
       </p:cxnSp>
       <p:sp>
         <p:nvSpPr>
-          <p:cNvPr id="21" name="Rectangle 20"/>
+          <p:cNvPr id="51" name="Rectangle 50">
+            <a:extLst>
+              <a:ext uri="{FF2B5EF4-FFF2-40B4-BE49-F238E27FC236}">
+                <a16:creationId xmlns:a16="http://schemas.microsoft.com/office/drawing/2014/main" id="{1ECDCCC6-1B4F-4D1B-98B8-98A72602A7C8}"/>
+              </a:ext>
+            </a:extLst>
+          </p:cNvPr>
           <p:cNvSpPr/>
           <p:nvPr/>
         </p:nvSpPr>
@@ -3965,7 +4025,13 @@
       </p:sp>
       <p:cxnSp>
         <p:nvCxnSpPr>
-          <p:cNvPr id="23" name="Straight Arrow Connector 22"/>
+          <p:cNvPr id="52" name="Straight Arrow Connector 51">
+            <a:extLst>
+              <a:ext uri="{FF2B5EF4-FFF2-40B4-BE49-F238E27FC236}">
+                <a16:creationId xmlns:a16="http://schemas.microsoft.com/office/drawing/2014/main" id="{F1C4FC1F-1FED-4FAF-9B5B-F7EAE637B56E}"/>
+              </a:ext>
+            </a:extLst>
+          </p:cNvPr>
           <p:cNvCxnSpPr/>
           <p:nvPr/>
         </p:nvCxnSpPr>
@@ -4001,7 +4067,13 @@
       </p:cxnSp>
       <p:sp>
         <p:nvSpPr>
-          <p:cNvPr id="26" name="TextBox 25"/>
+          <p:cNvPr id="53" name="TextBox 52">
+            <a:extLst>
+              <a:ext uri="{FF2B5EF4-FFF2-40B4-BE49-F238E27FC236}">
+                <a16:creationId xmlns:a16="http://schemas.microsoft.com/office/drawing/2014/main" id="{FD89DE00-7E75-45C5-9980-47EB1A1076B9}"/>
+              </a:ext>
+            </a:extLst>
+          </p:cNvPr>
           <p:cNvSpPr txBox="1"/>
           <p:nvPr/>
         </p:nvSpPr>
@@ -4039,14 +4111,36 @@
                   <a:srgbClr val="0070C0"/>
                 </a:solidFill>
               </a:rPr>
-              <a:t>(“next”)</a:t>
+              <a:t>(“</a:t>
+            </a:r>
+            <a:r>
+              <a:rPr lang="en-US" sz="1400" dirty="0" err="1">
+                <a:solidFill>
+                  <a:srgbClr val="0070C0"/>
+                </a:solidFill>
+              </a:rPr>
+              <a:t>prev</a:t>
+            </a:r>
+            <a:r>
+              <a:rPr lang="en-US" sz="1400" dirty="0">
+                <a:solidFill>
+                  <a:srgbClr val="0070C0"/>
+                </a:solidFill>
+              </a:rPr>
+              <a:t>”)</a:t>
             </a:r>
           </a:p>
         </p:txBody>
       </p:sp>
       <p:cxnSp>
         <p:nvCxnSpPr>
-          <p:cNvPr id="28" name="Straight Arrow Connector 27"/>
+          <p:cNvPr id="60" name="Straight Arrow Connector 59">
+            <a:extLst>
+              <a:ext uri="{FF2B5EF4-FFF2-40B4-BE49-F238E27FC236}">
+                <a16:creationId xmlns:a16="http://schemas.microsoft.com/office/drawing/2014/main" id="{7A2282A0-D8E3-466D-9E6D-86F28686E6F5}"/>
+              </a:ext>
+            </a:extLst>
+          </p:cNvPr>
           <p:cNvCxnSpPr/>
           <p:nvPr/>
         </p:nvCxnSpPr>
@@ -4082,7 +4176,13 @@
       </p:cxnSp>
       <p:sp>
         <p:nvSpPr>
-          <p:cNvPr id="29" name="TextBox 28"/>
+          <p:cNvPr id="63" name="TextBox 62">
+            <a:extLst>
+              <a:ext uri="{FF2B5EF4-FFF2-40B4-BE49-F238E27FC236}">
+                <a16:creationId xmlns:a16="http://schemas.microsoft.com/office/drawing/2014/main" id="{065738BF-F74F-41B7-B8FB-019ABED950AA}"/>
+              </a:ext>
+            </a:extLst>
+          </p:cNvPr>
           <p:cNvSpPr txBox="1"/>
           <p:nvPr/>
         </p:nvSpPr>
@@ -4122,7 +4222,13 @@
       </p:sp>
       <p:cxnSp>
         <p:nvCxnSpPr>
-          <p:cNvPr id="34" name="Straight Arrow Connector 33"/>
+          <p:cNvPr id="64" name="Straight Arrow Connector 63">
+            <a:extLst>
+              <a:ext uri="{FF2B5EF4-FFF2-40B4-BE49-F238E27FC236}">
+                <a16:creationId xmlns:a16="http://schemas.microsoft.com/office/drawing/2014/main" id="{C2F8D0B6-92F9-4C67-B404-596CAAACF9CD}"/>
+              </a:ext>
+            </a:extLst>
+          </p:cNvPr>
           <p:cNvCxnSpPr/>
           <p:nvPr/>
         </p:nvCxnSpPr>
@@ -4160,7 +4266,13 @@
       </p:cxnSp>
       <p:cxnSp>
         <p:nvCxnSpPr>
-          <p:cNvPr id="35" name="Straight Arrow Connector 34"/>
+          <p:cNvPr id="68" name="Straight Arrow Connector 67">
+            <a:extLst>
+              <a:ext uri="{FF2B5EF4-FFF2-40B4-BE49-F238E27FC236}">
+                <a16:creationId xmlns:a16="http://schemas.microsoft.com/office/drawing/2014/main" id="{54EDB65B-298C-41E7-9759-BFBC706C3D0D}"/>
+              </a:ext>
+            </a:extLst>
+          </p:cNvPr>
           <p:cNvCxnSpPr>
             <a:cxnSpLocks/>
           </p:cNvCxnSpPr>
@@ -4200,13 +4312,19 @@
       </p:cxnSp>
       <p:cxnSp>
         <p:nvCxnSpPr>
-          <p:cNvPr id="37" name="Straight Arrow Connector 36"/>
+          <p:cNvPr id="70" name="Straight Arrow Connector 69">
+            <a:extLst>
+              <a:ext uri="{FF2B5EF4-FFF2-40B4-BE49-F238E27FC236}">
+                <a16:creationId xmlns:a16="http://schemas.microsoft.com/office/drawing/2014/main" id="{648DD61F-15C1-4777-B09F-55B2C4CA6B3B}"/>
+              </a:ext>
+            </a:extLst>
+          </p:cNvPr>
           <p:cNvCxnSpPr/>
           <p:nvPr/>
         </p:nvCxnSpPr>
         <p:spPr>
           <a:xfrm>
-            <a:off x="380999" y="4406444"/>
+            <a:off x="380999" y="5105400"/>
             <a:ext cx="1196051" cy="0"/>
           </a:xfrm>
           <a:prstGeom prst="straightConnector1">
@@ -4238,14 +4356,20 @@
       </p:cxnSp>
       <p:sp>
         <p:nvSpPr>
-          <p:cNvPr id="65" name="Rectangle 64"/>
+          <p:cNvPr id="71" name="Rectangle 70">
+            <a:extLst>
+              <a:ext uri="{FF2B5EF4-FFF2-40B4-BE49-F238E27FC236}">
+                <a16:creationId xmlns:a16="http://schemas.microsoft.com/office/drawing/2014/main" id="{C39E1F73-FDCC-48BE-8A57-FB4159C58822}"/>
+              </a:ext>
+            </a:extLst>
+          </p:cNvPr>
           <p:cNvSpPr/>
           <p:nvPr/>
         </p:nvSpPr>
         <p:spPr>
           <a:xfrm>
             <a:off x="5526488" y="2731314"/>
-            <a:ext cx="149717" cy="1479530"/>
+            <a:ext cx="149717" cy="2176920"/>
           </a:xfrm>
           <a:prstGeom prst="rect">
             <a:avLst/>
@@ -4285,7 +4409,13 @@
       </p:sp>
       <p:sp>
         <p:nvSpPr>
-          <p:cNvPr id="80" name="TextBox 79"/>
+          <p:cNvPr id="73" name="TextBox 72">
+            <a:extLst>
+              <a:ext uri="{FF2B5EF4-FFF2-40B4-BE49-F238E27FC236}">
+                <a16:creationId xmlns:a16="http://schemas.microsoft.com/office/drawing/2014/main" id="{9AEBF8B6-6968-4AE3-BBAC-BE608D036C4B}"/>
+              </a:ext>
+            </a:extLst>
+          </p:cNvPr>
           <p:cNvSpPr txBox="1"/>
           <p:nvPr/>
         </p:nvSpPr>
@@ -4322,20 +4452,34 @@
             </a:r>
             <a:r>
               <a:rPr lang="en-US" dirty="0"/>
-              <a:t>(“next”)</a:t>
-            </a:r>
-          </a:p>
-        </p:txBody>
-      </p:sp>
-      <p:sp>
-        <p:nvSpPr>
-          <p:cNvPr id="82" name="TextBox 81"/>
+              <a:t>(“</a:t>
+            </a:r>
+            <a:r>
+              <a:rPr lang="en-US" dirty="0" err="1"/>
+              <a:t>prev</a:t>
+            </a:r>
+            <a:r>
+              <a:rPr lang="en-US" dirty="0"/>
+              <a:t>”)</a:t>
+            </a:r>
+          </a:p>
+        </p:txBody>
+      </p:sp>
+      <p:sp>
+        <p:nvSpPr>
+          <p:cNvPr id="74" name="TextBox 73">
+            <a:extLst>
+              <a:ext uri="{FF2B5EF4-FFF2-40B4-BE49-F238E27FC236}">
+                <a16:creationId xmlns:a16="http://schemas.microsoft.com/office/drawing/2014/main" id="{3D48A1AB-BCAB-428A-A144-1C757FF1CEE1}"/>
+              </a:ext>
+            </a:extLst>
+          </p:cNvPr>
           <p:cNvSpPr txBox="1"/>
           <p:nvPr/>
         </p:nvSpPr>
         <p:spPr>
           <a:xfrm>
-            <a:off x="3272755" y="3962400"/>
+            <a:off x="3272755" y="4661356"/>
             <a:ext cx="621216" cy="215444"/>
           </a:xfrm>
           <a:prstGeom prst="rect">
@@ -4369,13 +4513,19 @@
       </p:sp>
       <p:sp>
         <p:nvSpPr>
-          <p:cNvPr id="83" name="TextBox 82"/>
+          <p:cNvPr id="75" name="TextBox 74">
+            <a:extLst>
+              <a:ext uri="{FF2B5EF4-FFF2-40B4-BE49-F238E27FC236}">
+                <a16:creationId xmlns:a16="http://schemas.microsoft.com/office/drawing/2014/main" id="{EB7FDDD8-6A76-4D15-B06D-EC94F2B8C237}"/>
+              </a:ext>
+            </a:extLst>
+          </p:cNvPr>
           <p:cNvSpPr txBox="1"/>
           <p:nvPr/>
         </p:nvSpPr>
         <p:spPr>
           <a:xfrm>
-            <a:off x="645270" y="4161345"/>
+            <a:off x="645270" y="4860301"/>
             <a:ext cx="762000" cy="215444"/>
           </a:xfrm>
           <a:prstGeom prst="rect">
@@ -4409,7 +4559,13 @@
       </p:sp>
       <p:sp>
         <p:nvSpPr>
-          <p:cNvPr id="84" name="Rectangle 62"/>
+          <p:cNvPr id="76" name="Rectangle 62">
+            <a:extLst>
+              <a:ext uri="{FF2B5EF4-FFF2-40B4-BE49-F238E27FC236}">
+                <a16:creationId xmlns:a16="http://schemas.microsoft.com/office/drawing/2014/main" id="{7AD28361-B0EE-4C16-BE83-410BAB9D3E55}"/>
+              </a:ext>
+            </a:extLst>
+          </p:cNvPr>
           <p:cNvSpPr/>
           <p:nvPr/>
         </p:nvSpPr>
@@ -4476,7 +4632,13 @@
       </p:sp>
       <p:sp>
         <p:nvSpPr>
-          <p:cNvPr id="93" name="TextBox 92"/>
+          <p:cNvPr id="77" name="TextBox 76">
+            <a:extLst>
+              <a:ext uri="{FF2B5EF4-FFF2-40B4-BE49-F238E27FC236}">
+                <a16:creationId xmlns:a16="http://schemas.microsoft.com/office/drawing/2014/main" id="{706C03C9-9036-46B9-AEA1-88C4C16538AC}"/>
+              </a:ext>
+            </a:extLst>
+          </p:cNvPr>
           <p:cNvSpPr txBox="1"/>
           <p:nvPr/>
         </p:nvSpPr>
@@ -4508,15 +4670,22 @@
           </a:lstStyle>
           <a:p>
             <a:r>
-              <a:rPr lang="en-US" dirty="0"/>
-              <a:t>next</a:t>
-            </a:r>
-          </a:p>
-        </p:txBody>
-      </p:sp>
-      <p:sp>
-        <p:nvSpPr>
-          <p:cNvPr id="40" name="Rectangle 62"/>
+              <a:rPr lang="en-US" dirty="0" err="1"/>
+              <a:t>prev</a:t>
+            </a:r>
+            <a:endParaRPr lang="en-US" dirty="0"/>
+          </a:p>
+        </p:txBody>
+      </p:sp>
+      <p:sp>
+        <p:nvSpPr>
+          <p:cNvPr id="78" name="Rectangle 62">
+            <a:extLst>
+              <a:ext uri="{FF2B5EF4-FFF2-40B4-BE49-F238E27FC236}">
+                <a16:creationId xmlns:a16="http://schemas.microsoft.com/office/drawing/2014/main" id="{95C222B5-3614-4C73-9E17-661360816392}"/>
+              </a:ext>
+            </a:extLst>
+          </p:cNvPr>
           <p:cNvSpPr/>
           <p:nvPr/>
         </p:nvSpPr>
@@ -4575,16 +4744,22 @@
       </p:sp>
       <p:cxnSp>
         <p:nvCxnSpPr>
-          <p:cNvPr id="46" name="Straight Connector 45"/>
+          <p:cNvPr id="79" name="Straight Connector 78">
+            <a:extLst>
+              <a:ext uri="{FF2B5EF4-FFF2-40B4-BE49-F238E27FC236}">
+                <a16:creationId xmlns:a16="http://schemas.microsoft.com/office/drawing/2014/main" id="{D7D47070-6E23-457B-B006-EB13A6C18C68}"/>
+              </a:ext>
+            </a:extLst>
+          </p:cNvPr>
           <p:cNvCxnSpPr>
             <a:cxnSpLocks/>
           </p:cNvCxnSpPr>
           <p:nvPr/>
         </p:nvCxnSpPr>
         <p:spPr>
-          <a:xfrm>
-            <a:off x="7524592" y="1428659"/>
-            <a:ext cx="2486" cy="2417965"/>
+          <a:xfrm flipH="1">
+            <a:off x="7504558" y="1428659"/>
+            <a:ext cx="20034" cy="3647086"/>
           </a:xfrm>
           <a:prstGeom prst="line">
             <a:avLst/>
@@ -4614,7 +4789,13 @@
       </p:cxnSp>
       <p:sp>
         <p:nvSpPr>
-          <p:cNvPr id="4" name="TextBox 3"/>
+          <p:cNvPr id="85" name="TextBox 84">
+            <a:extLst>
+              <a:ext uri="{FF2B5EF4-FFF2-40B4-BE49-F238E27FC236}">
+                <a16:creationId xmlns:a16="http://schemas.microsoft.com/office/drawing/2014/main" id="{C390F8C4-1FEE-4985-9A1E-60E4A6234792}"/>
+              </a:ext>
+            </a:extLst>
+          </p:cNvPr>
           <p:cNvSpPr txBox="1"/>
           <p:nvPr/>
         </p:nvSpPr>
@@ -4647,7 +4828,13 @@
       </p:sp>
       <p:sp>
         <p:nvSpPr>
-          <p:cNvPr id="19" name="Rectangle 62"/>
+          <p:cNvPr id="86" name="Rectangle 62">
+            <a:extLst>
+              <a:ext uri="{FF2B5EF4-FFF2-40B4-BE49-F238E27FC236}">
+                <a16:creationId xmlns:a16="http://schemas.microsoft.com/office/drawing/2014/main" id="{78591350-73D3-43D1-98E7-A0A88EE64A96}"/>
+              </a:ext>
+            </a:extLst>
+          </p:cNvPr>
           <p:cNvSpPr/>
           <p:nvPr/>
         </p:nvSpPr>
@@ -4694,7 +4881,7 @@
                   <a:schemeClr val="bg1"/>
                 </a:solidFill>
               </a:rPr>
-              <a:t>next:Next</a:t>
+              <a:t>prev:Prev</a:t>
             </a:r>
             <a:br>
               <a:rPr lang="en-US" sz="1600" dirty="0">
@@ -4721,10 +4908,10 @@
       </p:sp>
       <p:cxnSp>
         <p:nvCxnSpPr>
-          <p:cNvPr id="66" name="Straight Arrow Connector 65">
+          <p:cNvPr id="87" name="Straight Arrow Connector 86">
             <a:extLst>
               <a:ext uri="{FF2B5EF4-FFF2-40B4-BE49-F238E27FC236}">
-                <a16:creationId xmlns:a16="http://schemas.microsoft.com/office/drawing/2014/main" id="{39916E2E-195A-4DC8-B025-B05FA87E6796}"/>
+                <a16:creationId xmlns:a16="http://schemas.microsoft.com/office/drawing/2014/main" id="{6B6B253C-618A-4DED-847E-004F8D45EDBE}"/>
               </a:ext>
             </a:extLst>
           </p:cNvPr>
@@ -4765,10 +4952,10 @@
       </p:cxnSp>
       <p:cxnSp>
         <p:nvCxnSpPr>
-          <p:cNvPr id="67" name="Straight Arrow Connector 66">
+          <p:cNvPr id="88" name="Straight Arrow Connector 87">
             <a:extLst>
               <a:ext uri="{FF2B5EF4-FFF2-40B4-BE49-F238E27FC236}">
-                <a16:creationId xmlns:a16="http://schemas.microsoft.com/office/drawing/2014/main" id="{D881596E-177C-4FDC-8E60-CAB90B3D5FAB}"/>
+                <a16:creationId xmlns:a16="http://schemas.microsoft.com/office/drawing/2014/main" id="{EEA9A49C-EDE1-4D26-A88E-13EA6248A1FF}"/>
               </a:ext>
             </a:extLst>
           </p:cNvPr>
@@ -4809,10 +4996,10 @@
       </p:cxnSp>
       <p:cxnSp>
         <p:nvCxnSpPr>
-          <p:cNvPr id="69" name="Straight Arrow Connector 68">
+          <p:cNvPr id="90" name="Straight Arrow Connector 89">
             <a:extLst>
               <a:ext uri="{FF2B5EF4-FFF2-40B4-BE49-F238E27FC236}">
-                <a16:creationId xmlns:a16="http://schemas.microsoft.com/office/drawing/2014/main" id="{7C9F21BC-13A9-471F-825A-2621FD36355F}"/>
+                <a16:creationId xmlns:a16="http://schemas.microsoft.com/office/drawing/2014/main" id="{F0C4E215-E1CC-421F-A524-0C4B2335B3A3}"/>
               </a:ext>
             </a:extLst>
           </p:cNvPr>
@@ -4823,7 +5010,7 @@
         </p:nvCxnSpPr>
         <p:spPr>
           <a:xfrm>
-            <a:off x="1691351" y="4210846"/>
+            <a:off x="1691351" y="4909802"/>
             <a:ext cx="3831517" cy="0"/>
           </a:xfrm>
           <a:prstGeom prst="straightConnector1">
@@ -4855,10 +5042,10 @@
       </p:cxnSp>
       <p:cxnSp>
         <p:nvCxnSpPr>
-          <p:cNvPr id="89" name="Straight Connector 88">
+          <p:cNvPr id="91" name="Straight Connector 90">
             <a:extLst>
               <a:ext uri="{FF2B5EF4-FFF2-40B4-BE49-F238E27FC236}">
-                <a16:creationId xmlns:a16="http://schemas.microsoft.com/office/drawing/2014/main" id="{E4E1C8CA-49DF-45D8-80A5-D5C8282EE927}"/>
+                <a16:creationId xmlns:a16="http://schemas.microsoft.com/office/drawing/2014/main" id="{DF1EB3B7-DEA6-4325-882A-DA7AD0DD2CC8}"/>
               </a:ext>
             </a:extLst>
           </p:cNvPr>
@@ -4870,7 +5057,7 @@
         <p:spPr>
           <a:xfrm>
             <a:off x="9100407" y="1457926"/>
-            <a:ext cx="9138" cy="2428274"/>
+            <a:ext cx="7745" cy="3647086"/>
           </a:xfrm>
           <a:prstGeom prst="line">
             <a:avLst/>
@@ -4900,10 +5087,10 @@
       </p:cxnSp>
       <p:sp>
         <p:nvSpPr>
-          <p:cNvPr id="54" name="Rectangle 53">
+          <p:cNvPr id="92" name="Rectangle 91">
             <a:extLst>
               <a:ext uri="{FF2B5EF4-FFF2-40B4-BE49-F238E27FC236}">
-                <a16:creationId xmlns:a16="http://schemas.microsoft.com/office/drawing/2014/main" id="{89CA0E73-D056-42E5-88A3-4CD2AA6A492D}"/>
+                <a16:creationId xmlns:a16="http://schemas.microsoft.com/office/drawing/2014/main" id="{01EEF3C2-456D-47D7-8F86-F68E13918207}"/>
               </a:ext>
             </a:extLst>
           </p:cNvPr>
@@ -4953,10 +5140,10 @@
       </p:sp>
       <p:cxnSp>
         <p:nvCxnSpPr>
-          <p:cNvPr id="55" name="Straight Arrow Connector 54">
+          <p:cNvPr id="94" name="Straight Arrow Connector 93">
             <a:extLst>
               <a:ext uri="{FF2B5EF4-FFF2-40B4-BE49-F238E27FC236}">
-                <a16:creationId xmlns:a16="http://schemas.microsoft.com/office/drawing/2014/main" id="{FF72696D-5412-4E4B-9C96-7F57AE42A008}"/>
+                <a16:creationId xmlns:a16="http://schemas.microsoft.com/office/drawing/2014/main" id="{F64AFC2F-921B-4F69-8B02-50303430897B}"/>
               </a:ext>
             </a:extLst>
           </p:cNvPr>
@@ -4997,10 +5184,10 @@
       </p:cxnSp>
       <p:sp>
         <p:nvSpPr>
-          <p:cNvPr id="57" name="TextBox 56">
+          <p:cNvPr id="95" name="TextBox 94">
             <a:extLst>
               <a:ext uri="{FF2B5EF4-FFF2-40B4-BE49-F238E27FC236}">
-                <a16:creationId xmlns:a16="http://schemas.microsoft.com/office/drawing/2014/main" id="{96963441-FA23-489A-AC06-849CB59F8636}"/>
+                <a16:creationId xmlns:a16="http://schemas.microsoft.com/office/drawing/2014/main" id="{CF6F84A9-8E71-4C4D-AD5C-6CFA2CCB171D}"/>
               </a:ext>
             </a:extLst>
           </p:cNvPr>
@@ -5066,10 +5253,10 @@
       </p:sp>
       <p:cxnSp>
         <p:nvCxnSpPr>
-          <p:cNvPr id="58" name="Straight Arrow Connector 57">
+          <p:cNvPr id="96" name="Straight Arrow Connector 95">
             <a:extLst>
               <a:ext uri="{FF2B5EF4-FFF2-40B4-BE49-F238E27FC236}">
-                <a16:creationId xmlns:a16="http://schemas.microsoft.com/office/drawing/2014/main" id="{BEB64FC7-BB96-4BEF-8FBC-C711031F47C3}"/>
+                <a16:creationId xmlns:a16="http://schemas.microsoft.com/office/drawing/2014/main" id="{853FDD5B-549F-4EED-9477-9CEC8EE64310}"/>
               </a:ext>
             </a:extLst>
           </p:cNvPr>
@@ -5110,10 +5297,10 @@
       </p:cxnSp>
       <p:cxnSp>
         <p:nvCxnSpPr>
-          <p:cNvPr id="59" name="Straight Arrow Connector 58">
+          <p:cNvPr id="97" name="Straight Arrow Connector 96">
             <a:extLst>
               <a:ext uri="{FF2B5EF4-FFF2-40B4-BE49-F238E27FC236}">
-                <a16:creationId xmlns:a16="http://schemas.microsoft.com/office/drawing/2014/main" id="{6CCCDB68-ECDA-4302-A42E-44DF57DEDF48}"/>
+                <a16:creationId xmlns:a16="http://schemas.microsoft.com/office/drawing/2014/main" id="{3BB4AD76-A634-4DF6-8B83-4E28EB592988}"/>
               </a:ext>
             </a:extLst>
           </p:cNvPr>
@@ -5156,16 +5343,16 @@
       </p:cxnSp>
       <p:cxnSp>
         <p:nvCxnSpPr>
-          <p:cNvPr id="61" name="Straight Arrow Connector 60">
+          <p:cNvPr id="98" name="Straight Arrow Connector 97">
             <a:extLst>
               <a:ext uri="{FF2B5EF4-FFF2-40B4-BE49-F238E27FC236}">
-                <a16:creationId xmlns:a16="http://schemas.microsoft.com/office/drawing/2014/main" id="{B8AD5208-2B4F-44B2-911D-C88EF52BEACF}"/>
+                <a16:creationId xmlns:a16="http://schemas.microsoft.com/office/drawing/2014/main" id="{4B051A8F-E908-41D4-B98B-C3AB47F76AC9}"/>
               </a:ext>
             </a:extLst>
           </p:cNvPr>
           <p:cNvCxnSpPr>
             <a:cxnSpLocks/>
-            <a:endCxn id="54" idx="2"/>
+            <a:endCxn id="92" idx="2"/>
           </p:cNvCxnSpPr>
           <p:nvPr/>
         </p:nvCxnSpPr>
@@ -5203,10 +5390,10 @@
       </p:cxnSp>
       <p:sp>
         <p:nvSpPr>
-          <p:cNvPr id="62" name="Rectangle 61">
+          <p:cNvPr id="99" name="Rectangle 98">
             <a:extLst>
               <a:ext uri="{FF2B5EF4-FFF2-40B4-BE49-F238E27FC236}">
-                <a16:creationId xmlns:a16="http://schemas.microsoft.com/office/drawing/2014/main" id="{82A14E63-628B-4540-BAB8-9BD055B0A0C5}"/>
+                <a16:creationId xmlns:a16="http://schemas.microsoft.com/office/drawing/2014/main" id="{A2AE2C53-AFCB-4933-BFD0-E567D580EF6A}"/>
               </a:ext>
             </a:extLst>
           </p:cNvPr>
@@ -5256,10 +5443,10 @@
       </p:sp>
       <p:sp>
         <p:nvSpPr>
-          <p:cNvPr id="72" name="TextBox 71">
+          <p:cNvPr id="100" name="TextBox 99">
             <a:extLst>
               <a:ext uri="{FF2B5EF4-FFF2-40B4-BE49-F238E27FC236}">
-                <a16:creationId xmlns:a16="http://schemas.microsoft.com/office/drawing/2014/main" id="{0A09E897-CD87-4F80-B3DB-8AD1584BBFB6}"/>
+                <a16:creationId xmlns:a16="http://schemas.microsoft.com/office/drawing/2014/main" id="{F7716381-3041-4238-B256-BBB923659D81}"/>
               </a:ext>
             </a:extLst>
           </p:cNvPr>
@@ -5323,6 +5510,220 @@
           </a:p>
         </p:txBody>
       </p:sp>
+      <p:sp>
+        <p:nvSpPr>
+          <p:cNvPr id="101" name="Rectangle 62">
+            <a:extLst>
+              <a:ext uri="{FF2B5EF4-FFF2-40B4-BE49-F238E27FC236}">
+                <a16:creationId xmlns:a16="http://schemas.microsoft.com/office/drawing/2014/main" id="{BE2207DF-EAAC-4E10-A4EE-BFCEBC67D42A}"/>
+              </a:ext>
+            </a:extLst>
+          </p:cNvPr>
+          <p:cNvSpPr/>
+          <p:nvPr/>
+        </p:nvSpPr>
+        <p:spPr>
+          <a:xfrm>
+            <a:off x="5829542" y="3610077"/>
+            <a:ext cx="1579824" cy="580894"/>
+          </a:xfrm>
+          <a:prstGeom prst="rect">
+            <a:avLst/>
+          </a:prstGeom>
+          <a:solidFill>
+            <a:srgbClr val="0070C0"/>
+          </a:solidFill>
+          <a:ln w="19050">
+            <a:solidFill>
+              <a:srgbClr val="0070C0"/>
+            </a:solidFill>
+          </a:ln>
+          <a:effectLst/>
+        </p:spPr>
+        <p:style>
+          <a:lnRef idx="1">
+            <a:schemeClr val="accent2"/>
+          </a:lnRef>
+          <a:fillRef idx="2">
+            <a:schemeClr val="accent2"/>
+          </a:fillRef>
+          <a:effectRef idx="1">
+            <a:schemeClr val="accent2"/>
+          </a:effectRef>
+          <a:fontRef idx="minor">
+            <a:schemeClr val="dk1"/>
+          </a:fontRef>
+        </p:style>
+        <p:txBody>
+          <a:bodyPr rtlCol="0" anchor="ctr"/>
+          <a:lstStyle/>
+          <a:p>
+            <a:pPr algn="ctr"/>
+            <a:r>
+              <a:rPr lang="en-US" sz="1600" dirty="0" err="1">
+                <a:solidFill>
+                  <a:schemeClr val="bg1"/>
+                </a:solidFill>
+              </a:rPr>
+              <a:t>result:CommandResult</a:t>
+            </a:r>
+            <a:endParaRPr lang="en-SG" sz="1600" dirty="0">
+              <a:solidFill>
+                <a:schemeClr val="bg1"/>
+              </a:solidFill>
+            </a:endParaRPr>
+          </a:p>
+        </p:txBody>
+      </p:sp>
+      <p:sp>
+        <p:nvSpPr>
+          <p:cNvPr id="102" name="Rectangle 101">
+            <a:extLst>
+              <a:ext uri="{FF2B5EF4-FFF2-40B4-BE49-F238E27FC236}">
+                <a16:creationId xmlns:a16="http://schemas.microsoft.com/office/drawing/2014/main" id="{5FDE9C58-9C32-431C-B91C-E6272900FCB5}"/>
+              </a:ext>
+            </a:extLst>
+          </p:cNvPr>
+          <p:cNvSpPr/>
+          <p:nvPr/>
+        </p:nvSpPr>
+        <p:spPr>
+          <a:xfrm>
+            <a:off x="6535010" y="4164469"/>
+            <a:ext cx="145274" cy="261481"/>
+          </a:xfrm>
+          <a:prstGeom prst="rect">
+            <a:avLst/>
+          </a:prstGeom>
+          <a:solidFill>
+            <a:srgbClr val="0070C0"/>
+          </a:solidFill>
+          <a:ln>
+            <a:solidFill>
+              <a:srgbClr val="0070C0"/>
+            </a:solidFill>
+          </a:ln>
+          <a:effectLst/>
+        </p:spPr>
+        <p:style>
+          <a:lnRef idx="1">
+            <a:schemeClr val="accent3"/>
+          </a:lnRef>
+          <a:fillRef idx="2">
+            <a:schemeClr val="accent3"/>
+          </a:fillRef>
+          <a:effectRef idx="1">
+            <a:schemeClr val="accent3"/>
+          </a:effectRef>
+          <a:fontRef idx="minor">
+            <a:schemeClr val="dk1"/>
+          </a:fontRef>
+        </p:style>
+        <p:txBody>
+          <a:bodyPr rtlCol="0" anchor="ctr"/>
+          <a:lstStyle/>
+          <a:p>
+            <a:pPr algn="ctr"/>
+            <a:endParaRPr lang="en-SG" sz="1400">
+              <a:solidFill>
+                <a:schemeClr val="dk1"/>
+              </a:solidFill>
+            </a:endParaRPr>
+          </a:p>
+        </p:txBody>
+      </p:sp>
+      <p:cxnSp>
+        <p:nvCxnSpPr>
+          <p:cNvPr id="103" name="Straight Arrow Connector 102">
+            <a:extLst>
+              <a:ext uri="{FF2B5EF4-FFF2-40B4-BE49-F238E27FC236}">
+                <a16:creationId xmlns:a16="http://schemas.microsoft.com/office/drawing/2014/main" id="{022CD3A8-CBEC-4386-AC3F-F2CAB03AFB8D}"/>
+              </a:ext>
+            </a:extLst>
+          </p:cNvPr>
+          <p:cNvCxnSpPr>
+            <a:cxnSpLocks/>
+            <a:endCxn id="101" idx="1"/>
+          </p:cNvCxnSpPr>
+          <p:nvPr/>
+        </p:nvCxnSpPr>
+        <p:spPr>
+          <a:xfrm>
+            <a:off x="5688039" y="3898954"/>
+            <a:ext cx="141503" cy="1570"/>
+          </a:xfrm>
+          <a:prstGeom prst="straightConnector1">
+            <a:avLst/>
+          </a:prstGeom>
+          <a:ln w="19050">
+            <a:solidFill>
+              <a:srgbClr val="0070C0"/>
+            </a:solidFill>
+            <a:tailEnd type="arrow"/>
+          </a:ln>
+        </p:spPr>
+        <p:style>
+          <a:lnRef idx="1">
+            <a:schemeClr val="accent1"/>
+          </a:lnRef>
+          <a:fillRef idx="0">
+            <a:schemeClr val="accent1"/>
+          </a:fillRef>
+          <a:effectRef idx="0">
+            <a:schemeClr val="accent1"/>
+          </a:effectRef>
+          <a:fontRef idx="minor">
+            <a:schemeClr val="tx1"/>
+          </a:fontRef>
+        </p:style>
+      </p:cxnSp>
+      <p:cxnSp>
+        <p:nvCxnSpPr>
+          <p:cNvPr id="104" name="Straight Arrow Connector 103">
+            <a:extLst>
+              <a:ext uri="{FF2B5EF4-FFF2-40B4-BE49-F238E27FC236}">
+                <a16:creationId xmlns:a16="http://schemas.microsoft.com/office/drawing/2014/main" id="{A171A85A-51A6-4C46-BB88-2C3057749819}"/>
+              </a:ext>
+            </a:extLst>
+          </p:cNvPr>
+          <p:cNvCxnSpPr>
+            <a:cxnSpLocks/>
+            <a:endCxn id="102" idx="2"/>
+          </p:cNvCxnSpPr>
+          <p:nvPr/>
+        </p:nvCxnSpPr>
+        <p:spPr>
+          <a:xfrm>
+            <a:off x="5680882" y="4425950"/>
+            <a:ext cx="926765" cy="0"/>
+          </a:xfrm>
+          <a:prstGeom prst="straightConnector1">
+            <a:avLst/>
+          </a:prstGeom>
+          <a:ln w="19050">
+            <a:solidFill>
+              <a:srgbClr val="0070C0"/>
+            </a:solidFill>
+            <a:prstDash val="sysDash"/>
+            <a:headEnd type="arrow" w="med" len="med"/>
+            <a:tailEnd type="none" w="med" len="med"/>
+          </a:ln>
+        </p:spPr>
+        <p:style>
+          <a:lnRef idx="1">
+            <a:schemeClr val="accent1"/>
+          </a:lnRef>
+          <a:fillRef idx="0">
+            <a:schemeClr val="accent1"/>
+          </a:fillRef>
+          <a:effectRef idx="0">
+            <a:schemeClr val="accent1"/>
+          </a:effectRef>
+          <a:fontRef idx="minor">
+            <a:schemeClr val="tx1"/>
+          </a:fontRef>
+        </p:style>
+      </p:cxnSp>
     </p:spTree>
     <p:extLst>
       <p:ext uri="{BB962C8B-B14F-4D97-AF65-F5344CB8AC3E}">
